--- a/présentation/PROJET DE FIN D’ETUDE ALYRA - Hany Salah.pptx
+++ b/présentation/PROJET DE FIN D’ETUDE ALYRA - Hany Salah.pptx
@@ -5379,11 +5379,6 @@
               </a:rPr>
               <a:t>FAST COIN NETWORK</a:t>
             </a:r>
-            <a:endParaRPr lang="fr-FR" sz="3200" b="1" dirty="0" smtClean="0">
-              <a:solidFill>
-                <a:schemeClr val="tx1"/>
-              </a:solidFill>
-            </a:endParaRPr>
           </a:p>
           <a:p>
             <a:pPr algn="ctr"/>
@@ -5401,21 +5396,8 @@
                   <a:schemeClr val="tx1"/>
                 </a:solidFill>
               </a:rPr>
-              <a:t>Le premier réseau décentralisé </a:t>
-            </a:r>
-            <a:r>
-              <a:rPr lang="fr-FR" sz="2400" i="1" dirty="0" smtClean="0">
-                <a:solidFill>
-                  <a:schemeClr val="tx1"/>
-                </a:solidFill>
-              </a:rPr>
-              <a:t>permettant le paiement instantanée.</a:t>
-            </a:r>
-            <a:endParaRPr lang="fr-FR" sz="2400" i="1" dirty="0" smtClean="0">
-              <a:solidFill>
-                <a:schemeClr val="tx1"/>
-              </a:solidFill>
-            </a:endParaRPr>
+              <a:t>Le premier réseau décentralisé permettant le paiement instantanée.</a:t>
+            </a:r>
           </a:p>
           <a:p>
             <a:pPr algn="ctr"/>
@@ -5449,21 +5431,8 @@
                   <a:schemeClr val="tx1"/>
                 </a:solidFill>
               </a:rPr>
-              <a:t> au service </a:t>
-            </a:r>
-            <a:r>
-              <a:rPr lang="fr-FR" sz="2400" i="1" dirty="0" smtClean="0">
-                <a:solidFill>
-                  <a:schemeClr val="tx1"/>
-                </a:solidFill>
-              </a:rPr>
-              <a:t>de tous.</a:t>
-            </a:r>
-            <a:endParaRPr lang="fr-FR" sz="2400" i="1" dirty="0" smtClean="0">
-              <a:solidFill>
-                <a:schemeClr val="tx1"/>
-              </a:solidFill>
-            </a:endParaRPr>
+              <a:t> au service de tous.</a:t>
+            </a:r>
           </a:p>
         </p:txBody>
       </p:sp>
@@ -5798,11 +5767,7 @@
             <a:pPr algn="ctr"/>
             <a:r>
               <a:rPr lang="fr-FR" sz="4000" u="sng" dirty="0" smtClean="0"/>
-              <a:t>FAST COIN NETWORK: </a:t>
-            </a:r>
-            <a:r>
-              <a:rPr lang="fr-FR" sz="4000" u="sng" dirty="0" smtClean="0"/>
-              <a:t>Objectifs</a:t>
+              <a:t>FAST COIN NETWORK: Objectifs</a:t>
             </a:r>
             <a:endParaRPr lang="fr-FR" sz="4000" u="sng" dirty="0"/>
           </a:p>
@@ -5840,29 +5805,8 @@
                   <a:schemeClr val="tx1"/>
                 </a:solidFill>
               </a:rPr>
-              <a:t>Sécuriser et simplifier les paiements </a:t>
-            </a:r>
-            <a:r>
-              <a:rPr lang="fr-FR" sz="2400" dirty="0" smtClean="0">
-                <a:solidFill>
-                  <a:schemeClr val="tx1"/>
-                </a:solidFill>
-              </a:rPr>
-              <a:t>entre les personnes partou</a:t>
-            </a:r>
-            <a:r>
-              <a:rPr lang="fr-FR" sz="2400" dirty="0" smtClean="0">
-                <a:solidFill>
-                  <a:schemeClr val="tx1"/>
-                </a:solidFill>
-              </a:rPr>
-              <a:t>t dans le monde.</a:t>
-            </a:r>
-            <a:endParaRPr lang="fr-FR" sz="2400" dirty="0" smtClean="0">
-              <a:solidFill>
-                <a:schemeClr val="tx1"/>
-              </a:solidFill>
-            </a:endParaRPr>
+              <a:t>Sécuriser et simplifier les paiements entre les personnes partout dans le monde.</a:t>
+            </a:r>
           </a:p>
           <a:p>
             <a:pPr marL="342900" indent="-342900">
@@ -5996,11 +5940,7 @@
             <a:pPr algn="ctr"/>
             <a:r>
               <a:rPr lang="fr-FR" sz="4000" u="sng" dirty="0" smtClean="0"/>
-              <a:t>FCN: </a:t>
-            </a:r>
-            <a:r>
-              <a:rPr lang="fr-FR" sz="4000" u="sng" dirty="0" smtClean="0"/>
-              <a:t>La technologie </a:t>
+              <a:t>FCN: La technologie </a:t>
             </a:r>
             <a:r>
               <a:rPr lang="fr-FR" sz="4000" u="sng" dirty="0" err="1" smtClean="0"/>
@@ -6042,31 +5982,7 @@
                   <a:schemeClr val="tx1"/>
                 </a:solidFill>
               </a:rPr>
-              <a:t>Permettre </a:t>
-            </a:r>
-            <a:r>
-              <a:rPr lang="fr-FR" sz="2400" dirty="0" smtClean="0">
-                <a:solidFill>
-                  <a:schemeClr val="tx1"/>
-                </a:solidFill>
-              </a:rPr>
-              <a:t>des</a:t>
-            </a:r>
-            <a:r>
-              <a:rPr lang="fr-FR" sz="2400" dirty="0" smtClean="0">
-                <a:solidFill>
-                  <a:schemeClr val="tx1"/>
-                </a:solidFill>
-              </a:rPr>
-              <a:t> échanges de </a:t>
-            </a:r>
-            <a:r>
-              <a:rPr lang="fr-FR" sz="2400" dirty="0" smtClean="0">
-                <a:solidFill>
-                  <a:schemeClr val="tx1"/>
-                </a:solidFill>
-              </a:rPr>
-              <a:t>manière instantanée et sécurisée, sans intermédiaire.</a:t>
+              <a:t>Permettre des échanges de manière instantanée et sécurisée, sans intermédiaire.</a:t>
             </a:r>
           </a:p>
           <a:p>
@@ -6094,21 +6010,8 @@
                   <a:schemeClr val="tx1"/>
                 </a:solidFill>
               </a:rPr>
-              <a:t>Assure la confidentialité des utilisateurs</a:t>
-            </a:r>
-            <a:r>
-              <a:rPr lang="fr-FR" sz="2400" dirty="0" smtClean="0">
-                <a:solidFill>
-                  <a:schemeClr val="tx1"/>
-                </a:solidFill>
-              </a:rPr>
-              <a:t>.</a:t>
-            </a:r>
-            <a:endParaRPr lang="fr-FR" sz="2400" dirty="0" smtClean="0">
-              <a:solidFill>
-                <a:schemeClr val="tx1"/>
-              </a:solidFill>
-            </a:endParaRPr>
+              <a:t>Assure la confidentialité des utilisateurs.</a:t>
+            </a:r>
           </a:p>
           <a:p>
             <a:pPr marL="342900" indent="-342900">
@@ -6575,11 +6478,7 @@
             <a:pPr algn="ctr"/>
             <a:r>
               <a:rPr lang="fr-FR" sz="4000" u="sng" dirty="0" smtClean="0"/>
-              <a:t>FCN: </a:t>
-            </a:r>
-            <a:r>
-              <a:rPr lang="fr-FR" sz="4000" u="sng" dirty="0" smtClean="0"/>
-              <a:t>La technologie </a:t>
+              <a:t>FCN: La technologie </a:t>
             </a:r>
             <a:r>
               <a:rPr lang="fr-FR" sz="4000" u="sng" dirty="0" err="1" smtClean="0"/>
@@ -6645,23 +6544,7 @@
                   <a:schemeClr val="tx1"/>
                 </a:solidFill>
               </a:rPr>
-              <a:t> </a:t>
-            </a:r>
-            <a:r>
-              <a:rPr lang="fr-FR" sz="2400" dirty="0" smtClean="0">
-                <a:solidFill>
-                  <a:schemeClr val="tx1"/>
-                </a:solidFill>
-              </a:rPr>
-              <a:t>basé </a:t>
-            </a:r>
-            <a:r>
-              <a:rPr lang="fr-FR" sz="2400" dirty="0" smtClean="0">
-                <a:solidFill>
-                  <a:schemeClr val="tx1"/>
-                </a:solidFill>
-              </a:rPr>
-              <a:t>sur un système de minage proof-of-</a:t>
+              <a:t> basé sur un système de minage proof-of-</a:t>
             </a:r>
             <a:r>
               <a:rPr lang="fr-FR" sz="2400" dirty="0" err="1" smtClean="0">
@@ -6709,11 +6592,6 @@
               </a:rPr>
               <a:t>.</a:t>
             </a:r>
-            <a:endParaRPr lang="fr-FR" sz="2400" dirty="0" smtClean="0">
-              <a:solidFill>
-                <a:schemeClr val="tx1"/>
-              </a:solidFill>
-            </a:endParaRPr>
           </a:p>
           <a:p>
             <a:pPr marL="342900" indent="-342900">
@@ -6760,11 +6638,6 @@
               </a:rPr>
               <a:t>).</a:t>
             </a:r>
-            <a:endParaRPr lang="fr-FR" sz="2400" dirty="0" smtClean="0">
-              <a:solidFill>
-                <a:schemeClr val="tx1"/>
-              </a:solidFill>
-            </a:endParaRPr>
           </a:p>
           <a:p>
             <a:pPr marL="342900" indent="-342900">
@@ -6871,11 +6744,6 @@
               </a:rPr>
               <a:t>.</a:t>
             </a:r>
-            <a:endParaRPr lang="fr-FR" sz="2400" dirty="0" smtClean="0">
-              <a:solidFill>
-                <a:schemeClr val="tx1"/>
-              </a:solidFill>
-            </a:endParaRPr>
           </a:p>
           <a:p>
             <a:pPr marL="342900" indent="-342900">
@@ -7386,11 +7254,7 @@
             <a:pPr algn="ctr"/>
             <a:r>
               <a:rPr lang="fr-FR" sz="4000" u="sng" dirty="0" smtClean="0"/>
-              <a:t>FCN: </a:t>
-            </a:r>
-            <a:r>
-              <a:rPr lang="fr-FR" sz="4000" u="sng" dirty="0" smtClean="0"/>
-              <a:t>APERCU</a:t>
+              <a:t>FCN: APERCU</a:t>
             </a:r>
             <a:endParaRPr lang="fr-FR" sz="4000" u="sng" dirty="0"/>
           </a:p>
@@ -7433,43 +7297,38 @@
           </a:p>
           <a:p>
             <a:r>
-              <a:rPr lang="fr-FR" sz="2400" dirty="0" smtClean="0">
+              <a:rPr lang="fr-FR" sz="2400" dirty="0">
                 <a:solidFill>
                   <a:schemeClr val="tx1"/>
                 </a:solidFill>
               </a:rPr>
-              <a:t>https</a:t>
-            </a:r>
-            <a:r>
-              <a:rPr lang="fr-FR" sz="2400" dirty="0">
+              <a:t>https://</a:t>
+            </a:r>
+            <a:r>
+              <a:rPr lang="fr-FR" sz="2400">
                 <a:solidFill>
                   <a:schemeClr val="tx1"/>
                 </a:solidFill>
               </a:rPr>
-              <a:t>://</a:t>
-            </a:r>
-            <a:r>
-              <a:rPr lang="fr-FR" sz="2400" dirty="0" smtClean="0">
+              <a:t>hany-s.github.io/ProjetFinalAlyra</a:t>
+            </a:r>
+            <a:r>
+              <a:rPr lang="fr-FR" sz="2400" smtClean="0">
                 <a:solidFill>
                   <a:schemeClr val="tx1"/>
                 </a:solidFill>
               </a:rPr>
-              <a:t>hany-s.github.io/ProjetFinalAlyra/</a:t>
-            </a:r>
-            <a:endParaRPr lang="fr-FR" sz="2400" dirty="0" smtClean="0">
+              <a:t>/</a:t>
+            </a:r>
+          </a:p>
+          <a:p>
+            <a:endParaRPr lang="fr-FR" sz="2400" dirty="0">
               <a:solidFill>
                 <a:schemeClr val="tx1"/>
               </a:solidFill>
             </a:endParaRPr>
           </a:p>
           <a:p>
-            <a:endParaRPr lang="fr-FR" sz="2400" dirty="0" smtClean="0">
-              <a:solidFill>
-                <a:schemeClr val="tx1"/>
-              </a:solidFill>
-            </a:endParaRPr>
-          </a:p>
-          <a:p>
             <a:pPr marL="342900" indent="-342900">
               <a:buFont typeface="Arial" panose="020B0604020202020204" pitchFamily="34" charset="0"/>
               <a:buChar char="•"/>
@@ -7480,7 +7339,15 @@
                   <a:schemeClr val="tx1"/>
                 </a:solidFill>
               </a:rPr>
-              <a:t>Dépôt Git:</a:t>
+              <a:t>Dépôt </a:t>
+            </a:r>
+            <a:r>
+              <a:rPr lang="fr-FR" sz="2400" dirty="0" smtClean="0">
+                <a:solidFill>
+                  <a:schemeClr val="tx1"/>
+                </a:solidFill>
+              </a:rPr>
+              <a:t>Git:</a:t>
             </a:r>
           </a:p>
           <a:p>
@@ -7500,11 +7367,6 @@
               </a:rPr>
               <a:t>github.com/hany-s/ProjetFinalAlyra</a:t>
             </a:r>
-            <a:endParaRPr lang="fr-FR" sz="2400" dirty="0" smtClean="0">
-              <a:solidFill>
-                <a:schemeClr val="tx1"/>
-              </a:solidFill>
-            </a:endParaRPr>
           </a:p>
           <a:p>
             <a:pPr marL="342900" indent="-342900">
